--- a/PowerPoint.pptx
+++ b/PowerPoint.pptx
@@ -104,6 +104,11 @@
       </a:defRPr>
     </a:lvl9pPr>
   </p:defaultTextStyle>
+  <p:extLst>
+    <p:ext uri="{EFAFB233-063F-42B5-8137-9DF3F51BA10A}">
+      <p15:sldGuideLst xmlns:p15="http://schemas.microsoft.com/office/powerpoint/2012/main"/>
+    </p:ext>
+  </p:extLst>
 </p:presentation>
 </file>
 
@@ -2976,7 +2981,9 @@
         </p:nvSpPr>
         <p:spPr/>
         <p:txBody>
-          <a:bodyPr/>
+          <a:bodyPr>
+            <a:normAutofit fontScale="90000"/>
+          </a:bodyPr>
           <a:lstStyle/>
           <a:p>
             <a:r>
@@ -2984,13 +2991,53 @@
               <a:t>hello</a:t>
             </a:r>
             <a:r>
-              <a:rPr lang="ru-RU"/>
+              <a:rPr lang="ru-RU" dirty="0"/>
               <a:t/>
             </a:r>
             <a:br>
-              <a:rPr lang="ru-RU"/>
+              <a:rPr lang="ru-RU" dirty="0"/>
             </a:br>
-            <a:endParaRPr lang="ru-RU"/>
+            <a:r>
+              <a:rPr lang="ru-RU" dirty="0"/>
+              <a:t> </a:t>
+            </a:r>
+            <a:r>
+              <a:rPr lang="en-US" dirty="0"/>
+              <a:t>hello</a:t>
+            </a:r>
+            <a:r>
+              <a:rPr lang="ru-RU" dirty="0"/>
+              <a:t/>
+            </a:r>
+            <a:br>
+              <a:rPr lang="ru-RU" dirty="0"/>
+            </a:br>
+            <a:r>
+              <a:rPr lang="ru-RU" dirty="0"/>
+              <a:t> </a:t>
+            </a:r>
+            <a:br>
+              <a:rPr lang="ru-RU" dirty="0"/>
+            </a:br>
+            <a:r>
+              <a:rPr lang="en-US" dirty="0"/>
+              <a:t>hello</a:t>
+            </a:r>
+            <a:r>
+              <a:rPr lang="ru-RU" dirty="0"/>
+              <a:t/>
+            </a:r>
+            <a:br>
+              <a:rPr lang="ru-RU" dirty="0"/>
+            </a:br>
+            <a:r>
+              <a:rPr lang="ru-RU" dirty="0"/>
+              <a:t> </a:t>
+            </a:r>
+            <a:br>
+              <a:rPr lang="ru-RU" dirty="0"/>
+            </a:br>
+            <a:endParaRPr lang="ru-RU" dirty="0"/>
           </a:p>
         </p:txBody>
       </p:sp>
